--- a/images/rho_dp.pptx
+++ b/images/rho_dp.pptx
@@ -104,6 +104,11 @@
       </a:defRPr>
     </a:lvl9pPr>
   </p:defaultTextStyle>
+  <p:extLst>
+    <p:ext uri="{EFAFB233-063F-42B5-8137-9DF3F51BA10A}">
+      <p15:sldGuideLst xmlns:p15="http://schemas.microsoft.com/office/powerpoint/2012/main"/>
+    </p:ext>
+  </p:extLst>
 </p:presentation>
 </file>
 
@@ -3323,10 +3328,10 @@
       </p:grpSpPr>
       <p:pic>
         <p:nvPicPr>
-          <p:cNvPr id="5" name="图形 4">
-            <a:extLst>
-              <a:ext uri="{FF2B5EF4-FFF2-40B4-BE49-F238E27FC236}">
-                <a16:creationId xmlns:a16="http://schemas.microsoft.com/office/drawing/2014/main" id="{EBA78E2C-F60A-A9A9-2B47-720E4DDF96F3}"/>
+          <p:cNvPr id="6" name="图形 5">
+            <a:extLst>
+              <a:ext uri="{FF2B5EF4-FFF2-40B4-BE49-F238E27FC236}">
+                <a16:creationId xmlns:a16="http://schemas.microsoft.com/office/drawing/2014/main" id="{668EA048-7868-B525-7149-55AC6B8688D4}"/>
               </a:ext>
             </a:extLst>
           </p:cNvPr>
@@ -3349,7 +3354,7 @@
         </p:blipFill>
         <p:spPr>
           <a:xfrm>
-            <a:off x="975139" y="867189"/>
+            <a:off x="3043570" y="769279"/>
             <a:ext cx="5842000" cy="4381500"/>
           </a:xfrm>
           <a:prstGeom prst="rect">

--- a/images/rho_dp.pptx
+++ b/images/rho_dp.pptx
@@ -259,7 +259,7 @@
           <a:p>
             <a:fld id="{C7BB4A2B-C640-DD49-ABB6-DD747B915ADF}" type="datetimeFigureOut">
               <a:rPr kumimoji="1" lang="zh-CN" altLang="en-US" smtClean="0"/>
-              <a:t>2024/4/25</a:t>
+              <a:t>2024/4/26</a:t>
             </a:fld>
             <a:endParaRPr kumimoji="1" lang="zh-CN" altLang="en-US"/>
           </a:p>
@@ -457,7 +457,7 @@
           <a:p>
             <a:fld id="{C7BB4A2B-C640-DD49-ABB6-DD747B915ADF}" type="datetimeFigureOut">
               <a:rPr kumimoji="1" lang="zh-CN" altLang="en-US" smtClean="0"/>
-              <a:t>2024/4/25</a:t>
+              <a:t>2024/4/26</a:t>
             </a:fld>
             <a:endParaRPr kumimoji="1" lang="zh-CN" altLang="en-US"/>
           </a:p>
@@ -665,7 +665,7 @@
           <a:p>
             <a:fld id="{C7BB4A2B-C640-DD49-ABB6-DD747B915ADF}" type="datetimeFigureOut">
               <a:rPr kumimoji="1" lang="zh-CN" altLang="en-US" smtClean="0"/>
-              <a:t>2024/4/25</a:t>
+              <a:t>2024/4/26</a:t>
             </a:fld>
             <a:endParaRPr kumimoji="1" lang="zh-CN" altLang="en-US"/>
           </a:p>
@@ -863,7 +863,7 @@
           <a:p>
             <a:fld id="{C7BB4A2B-C640-DD49-ABB6-DD747B915ADF}" type="datetimeFigureOut">
               <a:rPr kumimoji="1" lang="zh-CN" altLang="en-US" smtClean="0"/>
-              <a:t>2024/4/25</a:t>
+              <a:t>2024/4/26</a:t>
             </a:fld>
             <a:endParaRPr kumimoji="1" lang="zh-CN" altLang="en-US"/>
           </a:p>
@@ -1138,7 +1138,7 @@
           <a:p>
             <a:fld id="{C7BB4A2B-C640-DD49-ABB6-DD747B915ADF}" type="datetimeFigureOut">
               <a:rPr kumimoji="1" lang="zh-CN" altLang="en-US" smtClean="0"/>
-              <a:t>2024/4/25</a:t>
+              <a:t>2024/4/26</a:t>
             </a:fld>
             <a:endParaRPr kumimoji="1" lang="zh-CN" altLang="en-US"/>
           </a:p>
@@ -1403,7 +1403,7 @@
           <a:p>
             <a:fld id="{C7BB4A2B-C640-DD49-ABB6-DD747B915ADF}" type="datetimeFigureOut">
               <a:rPr kumimoji="1" lang="zh-CN" altLang="en-US" smtClean="0"/>
-              <a:t>2024/4/25</a:t>
+              <a:t>2024/4/26</a:t>
             </a:fld>
             <a:endParaRPr kumimoji="1" lang="zh-CN" altLang="en-US"/>
           </a:p>
@@ -1815,7 +1815,7 @@
           <a:p>
             <a:fld id="{C7BB4A2B-C640-DD49-ABB6-DD747B915ADF}" type="datetimeFigureOut">
               <a:rPr kumimoji="1" lang="zh-CN" altLang="en-US" smtClean="0"/>
-              <a:t>2024/4/25</a:t>
+              <a:t>2024/4/26</a:t>
             </a:fld>
             <a:endParaRPr kumimoji="1" lang="zh-CN" altLang="en-US"/>
           </a:p>
@@ -1956,7 +1956,7 @@
           <a:p>
             <a:fld id="{C7BB4A2B-C640-DD49-ABB6-DD747B915ADF}" type="datetimeFigureOut">
               <a:rPr kumimoji="1" lang="zh-CN" altLang="en-US" smtClean="0"/>
-              <a:t>2024/4/25</a:t>
+              <a:t>2024/4/26</a:t>
             </a:fld>
             <a:endParaRPr kumimoji="1" lang="zh-CN" altLang="en-US"/>
           </a:p>
@@ -2069,7 +2069,7 @@
           <a:p>
             <a:fld id="{C7BB4A2B-C640-DD49-ABB6-DD747B915ADF}" type="datetimeFigureOut">
               <a:rPr kumimoji="1" lang="zh-CN" altLang="en-US" smtClean="0"/>
-              <a:t>2024/4/25</a:t>
+              <a:t>2024/4/26</a:t>
             </a:fld>
             <a:endParaRPr kumimoji="1" lang="zh-CN" altLang="en-US"/>
           </a:p>
@@ -2380,7 +2380,7 @@
           <a:p>
             <a:fld id="{C7BB4A2B-C640-DD49-ABB6-DD747B915ADF}" type="datetimeFigureOut">
               <a:rPr kumimoji="1" lang="zh-CN" altLang="en-US" smtClean="0"/>
-              <a:t>2024/4/25</a:t>
+              <a:t>2024/4/26</a:t>
             </a:fld>
             <a:endParaRPr kumimoji="1" lang="zh-CN" altLang="en-US"/>
           </a:p>
@@ -2668,7 +2668,7 @@
           <a:p>
             <a:fld id="{C7BB4A2B-C640-DD49-ABB6-DD747B915ADF}" type="datetimeFigureOut">
               <a:rPr kumimoji="1" lang="zh-CN" altLang="en-US" smtClean="0"/>
-              <a:t>2024/4/25</a:t>
+              <a:t>2024/4/26</a:t>
             </a:fld>
             <a:endParaRPr kumimoji="1" lang="zh-CN" altLang="en-US"/>
           </a:p>
@@ -2909,7 +2909,7 @@
           <a:p>
             <a:fld id="{C7BB4A2B-C640-DD49-ABB6-DD747B915ADF}" type="datetimeFigureOut">
               <a:rPr kumimoji="1" lang="zh-CN" altLang="en-US" smtClean="0"/>
-              <a:t>2024/4/25</a:t>
+              <a:t>2024/4/26</a:t>
             </a:fld>
             <a:endParaRPr kumimoji="1" lang="zh-CN" altLang="en-US"/>
           </a:p>
@@ -3328,10 +3328,10 @@
       </p:grpSpPr>
       <p:pic>
         <p:nvPicPr>
-          <p:cNvPr id="6" name="图形 5">
-            <a:extLst>
-              <a:ext uri="{FF2B5EF4-FFF2-40B4-BE49-F238E27FC236}">
-                <a16:creationId xmlns:a16="http://schemas.microsoft.com/office/drawing/2014/main" id="{668EA048-7868-B525-7149-55AC6B8688D4}"/>
+          <p:cNvPr id="14" name="图形 13">
+            <a:extLst>
+              <a:ext uri="{FF2B5EF4-FFF2-40B4-BE49-F238E27FC236}">
+                <a16:creationId xmlns:a16="http://schemas.microsoft.com/office/drawing/2014/main" id="{7F7F0755-77D4-71FB-D872-424A7B26F443}"/>
               </a:ext>
             </a:extLst>
           </p:cNvPr>
@@ -3354,7 +3354,7 @@
         </p:blipFill>
         <p:spPr>
           <a:xfrm>
-            <a:off x="3043570" y="769279"/>
+            <a:off x="3175000" y="1238250"/>
             <a:ext cx="5842000" cy="4381500"/>
           </a:xfrm>
           <a:prstGeom prst="rect">

--- a/images/rho_dp.pptx
+++ b/images/rho_dp.pptx
@@ -104,6 +104,11 @@
       </a:defRPr>
     </a:lvl9pPr>
   </p:defaultTextStyle>
+  <p:extLst>
+    <p:ext uri="{EFAFB233-063F-42B5-8137-9DF3F51BA10A}">
+      <p15:sldGuideLst xmlns:p15="http://schemas.microsoft.com/office/powerpoint/2012/main"/>
+    </p:ext>
+  </p:extLst>
 </p:presentation>
 </file>
 
@@ -254,7 +259,7 @@
           <a:p>
             <a:fld id="{C7BB4A2B-C640-DD49-ABB6-DD747B915ADF}" type="datetimeFigureOut">
               <a:rPr kumimoji="1" lang="zh-CN" altLang="en-US" smtClean="0"/>
-              <a:t>2024/4/25</a:t>
+              <a:t>2024/4/26</a:t>
             </a:fld>
             <a:endParaRPr kumimoji="1" lang="zh-CN" altLang="en-US"/>
           </a:p>
@@ -452,7 +457,7 @@
           <a:p>
             <a:fld id="{C7BB4A2B-C640-DD49-ABB6-DD747B915ADF}" type="datetimeFigureOut">
               <a:rPr kumimoji="1" lang="zh-CN" altLang="en-US" smtClean="0"/>
-              <a:t>2024/4/25</a:t>
+              <a:t>2024/4/26</a:t>
             </a:fld>
             <a:endParaRPr kumimoji="1" lang="zh-CN" altLang="en-US"/>
           </a:p>
@@ -660,7 +665,7 @@
           <a:p>
             <a:fld id="{C7BB4A2B-C640-DD49-ABB6-DD747B915ADF}" type="datetimeFigureOut">
               <a:rPr kumimoji="1" lang="zh-CN" altLang="en-US" smtClean="0"/>
-              <a:t>2024/4/25</a:t>
+              <a:t>2024/4/26</a:t>
             </a:fld>
             <a:endParaRPr kumimoji="1" lang="zh-CN" altLang="en-US"/>
           </a:p>
@@ -858,7 +863,7 @@
           <a:p>
             <a:fld id="{C7BB4A2B-C640-DD49-ABB6-DD747B915ADF}" type="datetimeFigureOut">
               <a:rPr kumimoji="1" lang="zh-CN" altLang="en-US" smtClean="0"/>
-              <a:t>2024/4/25</a:t>
+              <a:t>2024/4/26</a:t>
             </a:fld>
             <a:endParaRPr kumimoji="1" lang="zh-CN" altLang="en-US"/>
           </a:p>
@@ -1133,7 +1138,7 @@
           <a:p>
             <a:fld id="{C7BB4A2B-C640-DD49-ABB6-DD747B915ADF}" type="datetimeFigureOut">
               <a:rPr kumimoji="1" lang="zh-CN" altLang="en-US" smtClean="0"/>
-              <a:t>2024/4/25</a:t>
+              <a:t>2024/4/26</a:t>
             </a:fld>
             <a:endParaRPr kumimoji="1" lang="zh-CN" altLang="en-US"/>
           </a:p>
@@ -1398,7 +1403,7 @@
           <a:p>
             <a:fld id="{C7BB4A2B-C640-DD49-ABB6-DD747B915ADF}" type="datetimeFigureOut">
               <a:rPr kumimoji="1" lang="zh-CN" altLang="en-US" smtClean="0"/>
-              <a:t>2024/4/25</a:t>
+              <a:t>2024/4/26</a:t>
             </a:fld>
             <a:endParaRPr kumimoji="1" lang="zh-CN" altLang="en-US"/>
           </a:p>
@@ -1810,7 +1815,7 @@
           <a:p>
             <a:fld id="{C7BB4A2B-C640-DD49-ABB6-DD747B915ADF}" type="datetimeFigureOut">
               <a:rPr kumimoji="1" lang="zh-CN" altLang="en-US" smtClean="0"/>
-              <a:t>2024/4/25</a:t>
+              <a:t>2024/4/26</a:t>
             </a:fld>
             <a:endParaRPr kumimoji="1" lang="zh-CN" altLang="en-US"/>
           </a:p>
@@ -1951,7 +1956,7 @@
           <a:p>
             <a:fld id="{C7BB4A2B-C640-DD49-ABB6-DD747B915ADF}" type="datetimeFigureOut">
               <a:rPr kumimoji="1" lang="zh-CN" altLang="en-US" smtClean="0"/>
-              <a:t>2024/4/25</a:t>
+              <a:t>2024/4/26</a:t>
             </a:fld>
             <a:endParaRPr kumimoji="1" lang="zh-CN" altLang="en-US"/>
           </a:p>
@@ -2064,7 +2069,7 @@
           <a:p>
             <a:fld id="{C7BB4A2B-C640-DD49-ABB6-DD747B915ADF}" type="datetimeFigureOut">
               <a:rPr kumimoji="1" lang="zh-CN" altLang="en-US" smtClean="0"/>
-              <a:t>2024/4/25</a:t>
+              <a:t>2024/4/26</a:t>
             </a:fld>
             <a:endParaRPr kumimoji="1" lang="zh-CN" altLang="en-US"/>
           </a:p>
@@ -2375,7 +2380,7 @@
           <a:p>
             <a:fld id="{C7BB4A2B-C640-DD49-ABB6-DD747B915ADF}" type="datetimeFigureOut">
               <a:rPr kumimoji="1" lang="zh-CN" altLang="en-US" smtClean="0"/>
-              <a:t>2024/4/25</a:t>
+              <a:t>2024/4/26</a:t>
             </a:fld>
             <a:endParaRPr kumimoji="1" lang="zh-CN" altLang="en-US"/>
           </a:p>
@@ -2663,7 +2668,7 @@
           <a:p>
             <a:fld id="{C7BB4A2B-C640-DD49-ABB6-DD747B915ADF}" type="datetimeFigureOut">
               <a:rPr kumimoji="1" lang="zh-CN" altLang="en-US" smtClean="0"/>
-              <a:t>2024/4/25</a:t>
+              <a:t>2024/4/26</a:t>
             </a:fld>
             <a:endParaRPr kumimoji="1" lang="zh-CN" altLang="en-US"/>
           </a:p>
@@ -2904,7 +2909,7 @@
           <a:p>
             <a:fld id="{C7BB4A2B-C640-DD49-ABB6-DD747B915ADF}" type="datetimeFigureOut">
               <a:rPr kumimoji="1" lang="zh-CN" altLang="en-US" smtClean="0"/>
-              <a:t>2024/4/25</a:t>
+              <a:t>2024/4/26</a:t>
             </a:fld>
             <a:endParaRPr kumimoji="1" lang="zh-CN" altLang="en-US"/>
           </a:p>
@@ -3323,10 +3328,10 @@
       </p:grpSpPr>
       <p:pic>
         <p:nvPicPr>
-          <p:cNvPr id="5" name="图形 4">
-            <a:extLst>
-              <a:ext uri="{FF2B5EF4-FFF2-40B4-BE49-F238E27FC236}">
-                <a16:creationId xmlns:a16="http://schemas.microsoft.com/office/drawing/2014/main" id="{EBA78E2C-F60A-A9A9-2B47-720E4DDF96F3}"/>
+          <p:cNvPr id="18" name="图形 17">
+            <a:extLst>
+              <a:ext uri="{FF2B5EF4-FFF2-40B4-BE49-F238E27FC236}">
+                <a16:creationId xmlns:a16="http://schemas.microsoft.com/office/drawing/2014/main" id="{69C865E8-8210-6CB5-05ED-D8207EDE8D81}"/>
               </a:ext>
             </a:extLst>
           </p:cNvPr>
@@ -3349,7 +3354,7 @@
         </p:blipFill>
         <p:spPr>
           <a:xfrm>
-            <a:off x="975139" y="867189"/>
+            <a:off x="3175000" y="1238250"/>
             <a:ext cx="5842000" cy="4381500"/>
           </a:xfrm>
           <a:prstGeom prst="rect">
